--- a/2023/2023-03/2023-03-17/problem.pptx
+++ b/2023/2023-03/2023-03-17/problem.pptx
@@ -5,12 +5,7 @@
     <p:sldMasterId id="2147483732" r:id="rId1"/>
   </p:sldMasterIdLst>
   <p:sldIdLst>
-    <p:sldId id="256" r:id="rId2"/>
-    <p:sldId id="258" r:id="rId3"/>
-    <p:sldId id="259" r:id="rId4"/>
-    <p:sldId id="263" r:id="rId5"/>
-    <p:sldId id="265" r:id="rId6"/>
-    <p:sldId id="262" r:id="rId7"/>
+    <p:sldId id="259" r:id="rId2"/>
   </p:sldIdLst>
   <p:sldSz cx="12192000" cy="6858000"/>
   <p:notesSz cx="6858000" cy="9144000"/>
@@ -448,7 +443,7 @@
           <a:p>
             <a:fld id="{13CAB402-B863-4AA4-B7CA-C5BADD25EDE0}" type="datetimeFigureOut">
               <a:rPr lang="en-US" smtClean="0"/>
-              <a:t>3/20/2023</a:t>
+              <a:t>3/30/2023</a:t>
             </a:fld>
             <a:endParaRPr lang="en-US"/>
           </a:p>
@@ -772,7 +767,7 @@
           <a:p>
             <a:fld id="{13CAB402-B863-4AA4-B7CA-C5BADD25EDE0}" type="datetimeFigureOut">
               <a:rPr lang="en-US" smtClean="0"/>
-              <a:t>3/20/2023</a:t>
+              <a:t>3/30/2023</a:t>
             </a:fld>
             <a:endParaRPr lang="en-US"/>
           </a:p>
@@ -1020,7 +1015,7 @@
           <a:p>
             <a:fld id="{13CAB402-B863-4AA4-B7CA-C5BADD25EDE0}" type="datetimeFigureOut">
               <a:rPr lang="en-US" smtClean="0"/>
-              <a:t>3/20/2023</a:t>
+              <a:t>3/30/2023</a:t>
             </a:fld>
             <a:endParaRPr lang="en-US"/>
           </a:p>
@@ -1359,7 +1354,7 @@
           <a:p>
             <a:fld id="{13CAB402-B863-4AA4-B7CA-C5BADD25EDE0}" type="datetimeFigureOut">
               <a:rPr lang="en-US" smtClean="0"/>
-              <a:t>3/20/2023</a:t>
+              <a:t>3/30/2023</a:t>
             </a:fld>
             <a:endParaRPr lang="en-US"/>
           </a:p>
@@ -1706,7 +1701,7 @@
           <a:p>
             <a:fld id="{13CAB402-B863-4AA4-B7CA-C5BADD25EDE0}" type="datetimeFigureOut">
               <a:rPr lang="en-US" smtClean="0"/>
-              <a:t>3/20/2023</a:t>
+              <a:t>3/30/2023</a:t>
             </a:fld>
             <a:endParaRPr lang="en-US"/>
           </a:p>
@@ -2080,7 +2075,7 @@
           <a:p>
             <a:fld id="{13CAB402-B863-4AA4-B7CA-C5BADD25EDE0}" type="datetimeFigureOut">
               <a:rPr lang="en-US" smtClean="0"/>
-              <a:t>3/20/2023</a:t>
+              <a:t>3/30/2023</a:t>
             </a:fld>
             <a:endParaRPr lang="en-US"/>
           </a:p>
@@ -2550,7 +2545,7 @@
           <a:p>
             <a:fld id="{13CAB402-B863-4AA4-B7CA-C5BADD25EDE0}" type="datetimeFigureOut">
               <a:rPr lang="en-US" smtClean="0"/>
-              <a:t>3/20/2023</a:t>
+              <a:t>3/30/2023</a:t>
             </a:fld>
             <a:endParaRPr lang="en-US"/>
           </a:p>
@@ -2755,7 +2750,7 @@
           <a:p>
             <a:fld id="{13CAB402-B863-4AA4-B7CA-C5BADD25EDE0}" type="datetimeFigureOut">
               <a:rPr lang="en-US" smtClean="0"/>
-              <a:t>3/20/2023</a:t>
+              <a:t>3/30/2023</a:t>
             </a:fld>
             <a:endParaRPr lang="en-US"/>
           </a:p>
@@ -2966,7 +2961,7 @@
           <a:p>
             <a:fld id="{13CAB402-B863-4AA4-B7CA-C5BADD25EDE0}" type="datetimeFigureOut">
               <a:rPr lang="en-US" smtClean="0"/>
-              <a:t>3/20/2023</a:t>
+              <a:t>3/30/2023</a:t>
             </a:fld>
             <a:endParaRPr lang="en-US"/>
           </a:p>
@@ -3198,7 +3193,7 @@
           <a:p>
             <a:fld id="{13CAB402-B863-4AA4-B7CA-C5BADD25EDE0}" type="datetimeFigureOut">
               <a:rPr lang="en-US" smtClean="0"/>
-              <a:t>3/20/2023</a:t>
+              <a:t>3/30/2023</a:t>
             </a:fld>
             <a:endParaRPr lang="en-US"/>
           </a:p>
@@ -3446,7 +3441,7 @@
           <a:p>
             <a:fld id="{13CAB402-B863-4AA4-B7CA-C5BADD25EDE0}" type="datetimeFigureOut">
               <a:rPr lang="en-US" smtClean="0"/>
-              <a:t>3/20/2023</a:t>
+              <a:t>3/30/2023</a:t>
             </a:fld>
             <a:endParaRPr lang="en-US"/>
           </a:p>
@@ -3744,7 +3739,7 @@
           <a:p>
             <a:fld id="{13CAB402-B863-4AA4-B7CA-C5BADD25EDE0}" type="datetimeFigureOut">
               <a:rPr lang="en-US" smtClean="0"/>
-              <a:t>3/20/2023</a:t>
+              <a:t>3/30/2023</a:t>
             </a:fld>
             <a:endParaRPr lang="en-US"/>
           </a:p>
@@ -4138,7 +4133,7 @@
           <a:p>
             <a:fld id="{13CAB402-B863-4AA4-B7CA-C5BADD25EDE0}" type="datetimeFigureOut">
               <a:rPr lang="en-US" smtClean="0"/>
-              <a:t>3/20/2023</a:t>
+              <a:t>3/30/2023</a:t>
             </a:fld>
             <a:endParaRPr lang="en-US"/>
           </a:p>
@@ -4287,7 +4282,7 @@
           <a:p>
             <a:fld id="{13CAB402-B863-4AA4-B7CA-C5BADD25EDE0}" type="datetimeFigureOut">
               <a:rPr lang="en-US" smtClean="0"/>
-              <a:t>3/20/2023</a:t>
+              <a:t>3/30/2023</a:t>
             </a:fld>
             <a:endParaRPr lang="en-US"/>
           </a:p>
@@ -4413,7 +4408,7 @@
           <a:p>
             <a:fld id="{13CAB402-B863-4AA4-B7CA-C5BADD25EDE0}" type="datetimeFigureOut">
               <a:rPr lang="en-US" smtClean="0"/>
-              <a:t>3/20/2023</a:t>
+              <a:t>3/30/2023</a:t>
             </a:fld>
             <a:endParaRPr lang="en-US"/>
           </a:p>
@@ -4668,7 +4663,7 @@
           <a:p>
             <a:fld id="{13CAB402-B863-4AA4-B7CA-C5BADD25EDE0}" type="datetimeFigureOut">
               <a:rPr lang="en-US" smtClean="0"/>
-              <a:t>3/20/2023</a:t>
+              <a:t>3/30/2023</a:t>
             </a:fld>
             <a:endParaRPr lang="en-US"/>
           </a:p>
@@ -4983,7 +4978,7 @@
           <a:p>
             <a:fld id="{13CAB402-B863-4AA4-B7CA-C5BADD25EDE0}" type="datetimeFigureOut">
               <a:rPr lang="en-US" smtClean="0"/>
-              <a:t>3/20/2023</a:t>
+              <a:t>3/30/2023</a:t>
             </a:fld>
             <a:endParaRPr lang="en-US"/>
           </a:p>
@@ -5334,7 +5329,7 @@
           <a:p>
             <a:fld id="{13CAB402-B863-4AA4-B7CA-C5BADD25EDE0}" type="datetimeFigureOut">
               <a:rPr lang="en-US" smtClean="0"/>
-              <a:t>3/20/2023</a:t>
+              <a:t>3/30/2023</a:t>
             </a:fld>
             <a:endParaRPr lang="en-US"/>
           </a:p>
@@ -5882,7 +5877,7 @@
           <p:cNvPr id="2" name="Title 1">
             <a:extLst>
               <a:ext uri="{FF2B5EF4-FFF2-40B4-BE49-F238E27FC236}">
-                <a16:creationId xmlns:a16="http://schemas.microsoft.com/office/drawing/2014/main" id="{CA317722-9261-B16F-DF2C-8CF6D23E8851}"/>
+                <a16:creationId xmlns:a16="http://schemas.microsoft.com/office/drawing/2014/main" id="{7D2C5186-0F6C-571B-7EFA-CF5822FBF6CA}"/>
               </a:ext>
             </a:extLst>
           </p:cNvPr>
@@ -5890,7 +5885,7 @@
             <a:spLocks noGrp="1"/>
           </p:cNvSpPr>
           <p:nvPr>
-            <p:ph type="ctrTitle"/>
+            <p:ph type="title"/>
           </p:nvPr>
         </p:nvSpPr>
         <p:spPr/>
@@ -5907,10 +5902,10 @@
       </p:sp>
       <p:sp>
         <p:nvSpPr>
-          <p:cNvPr id="3" name="Subtitle 2">
+          <p:cNvPr id="3" name="Content Placeholder 2">
             <a:extLst>
               <a:ext uri="{FF2B5EF4-FFF2-40B4-BE49-F238E27FC236}">
-                <a16:creationId xmlns:a16="http://schemas.microsoft.com/office/drawing/2014/main" id="{043C9A1C-775D-C72F-DB2C-E4FD1E85D80F}"/>
+                <a16:creationId xmlns:a16="http://schemas.microsoft.com/office/drawing/2014/main" id="{5450C2D6-B480-0BB9-7573-6B8132471729}"/>
               </a:ext>
             </a:extLst>
           </p:cNvPr>
@@ -5918,7 +5913,7 @@
             <a:spLocks noGrp="1"/>
           </p:cNvSpPr>
           <p:nvPr>
-            <p:ph type="subTitle" idx="1"/>
+            <p:ph idx="1"/>
           </p:nvPr>
         </p:nvSpPr>
         <p:spPr/>
@@ -5926,81 +5921,19 @@
           <a:bodyPr/>
           <a:lstStyle/>
           <a:p>
-            <a:endParaRPr lang="en-US" dirty="0"/>
-          </a:p>
-        </p:txBody>
-      </p:sp>
-    </p:spTree>
-    <p:extLst>
-      <p:ext uri="{BB962C8B-B14F-4D97-AF65-F5344CB8AC3E}">
-        <p14:creationId xmlns:p14="http://schemas.microsoft.com/office/powerpoint/2010/main" val="19180934"/>
-      </p:ext>
-    </p:extLst>
-  </p:cSld>
-  <p:clrMapOvr>
-    <a:masterClrMapping/>
-  </p:clrMapOvr>
-</p:sld>
-</file>
-
-<file path=ppt/slides/slide2.xml><?xml version="1.0" encoding="utf-8"?>
-<p:sld xmlns:a="http://schemas.openxmlformats.org/drawingml/2006/main" xmlns:r="http://schemas.openxmlformats.org/officeDocument/2006/relationships" xmlns:p="http://schemas.openxmlformats.org/presentationml/2006/main">
-  <p:cSld>
-    <p:spTree>
-      <p:nvGrpSpPr>
-        <p:cNvPr id="1" name=""/>
-        <p:cNvGrpSpPr/>
-        <p:nvPr/>
-      </p:nvGrpSpPr>
-      <p:grpSpPr>
-        <a:xfrm>
-          <a:off x="0" y="0"/>
-          <a:ext cx="0" cy="0"/>
-          <a:chOff x="0" y="0"/>
-          <a:chExt cx="0" cy="0"/>
-        </a:xfrm>
-      </p:grpSpPr>
-      <p:sp>
-        <p:nvSpPr>
-          <p:cNvPr id="2" name="Title 1">
+            <a:r>
+              <a:rPr lang="en-US" dirty="0"/>
+              <a:t>Given 4 match sticks can for a square like the image below.  Use 12 match sticks to create 6 squares of the same size as the one shown.</a:t>
+            </a:r>
+          </a:p>
+        </p:txBody>
+      </p:sp>
+      <p:sp>
+        <p:nvSpPr>
+          <p:cNvPr id="4" name="Rectangle 3">
             <a:extLst>
               <a:ext uri="{FF2B5EF4-FFF2-40B4-BE49-F238E27FC236}">
-                <a16:creationId xmlns:a16="http://schemas.microsoft.com/office/drawing/2014/main" id="{B901A517-98D6-700B-03D7-654147AFC7D7}"/>
-              </a:ext>
-            </a:extLst>
-          </p:cNvPr>
-          <p:cNvSpPr>
-            <a:spLocks noGrp="1"/>
-          </p:cNvSpPr>
-          <p:nvPr>
-            <p:ph type="title"/>
-          </p:nvPr>
-        </p:nvSpPr>
-        <p:spPr>
-          <a:xfrm>
-            <a:off x="1295402" y="1456585"/>
-            <a:ext cx="9601196" cy="1303867"/>
-          </a:xfrm>
-        </p:spPr>
-        <p:txBody>
-          <a:bodyPr>
-            <a:normAutofit fontScale="90000"/>
-          </a:bodyPr>
-          <a:lstStyle/>
-          <a:p>
-            <a:r>
-              <a:rPr lang="en-US" dirty="0"/>
-              <a:t>Given 4 match sticks can for a square like the image below.  Use 12 match sticks to create 6 similar sized squares.</a:t>
-            </a:r>
-          </a:p>
-        </p:txBody>
-      </p:sp>
-      <p:sp>
-        <p:nvSpPr>
-          <p:cNvPr id="3" name="Rectangle 2">
-            <a:extLst>
-              <a:ext uri="{FF2B5EF4-FFF2-40B4-BE49-F238E27FC236}">
-                <a16:creationId xmlns:a16="http://schemas.microsoft.com/office/drawing/2014/main" id="{4807846E-D4F0-71FC-CC77-6C7BEF5E473A}"/>
+                <a16:creationId xmlns:a16="http://schemas.microsoft.com/office/drawing/2014/main" id="{5566067A-3BEE-A8F5-B42D-8214B5C13242}"/>
               </a:ext>
             </a:extLst>
           </p:cNvPr>
@@ -6009,7 +5942,7 @@
         </p:nvSpPr>
         <p:spPr>
           <a:xfrm>
-            <a:off x="4658350" y="3581821"/>
+            <a:off x="3200486" y="3952757"/>
             <a:ext cx="1225213" cy="1303867"/>
           </a:xfrm>
           <a:prstGeom prst="rect">
@@ -6050,1761 +5983,7 @@
     </p:spTree>
     <p:extLst>
       <p:ext uri="{BB962C8B-B14F-4D97-AF65-F5344CB8AC3E}">
-        <p14:creationId xmlns:p14="http://schemas.microsoft.com/office/powerpoint/2010/main" val="356587805"/>
-      </p:ext>
-    </p:extLst>
-  </p:cSld>
-  <p:clrMapOvr>
-    <a:masterClrMapping/>
-  </p:clrMapOvr>
-</p:sld>
-</file>
-
-<file path=ppt/slides/slide3.xml><?xml version="1.0" encoding="utf-8"?>
-<p:sld xmlns:a="http://schemas.openxmlformats.org/drawingml/2006/main" xmlns:r="http://schemas.openxmlformats.org/officeDocument/2006/relationships" xmlns:p="http://schemas.openxmlformats.org/presentationml/2006/main">
-  <p:cSld>
-    <p:spTree>
-      <p:nvGrpSpPr>
-        <p:cNvPr id="1" name=""/>
-        <p:cNvGrpSpPr/>
-        <p:nvPr/>
-      </p:nvGrpSpPr>
-      <p:grpSpPr>
-        <a:xfrm>
-          <a:off x="0" y="0"/>
-          <a:ext cx="0" cy="0"/>
-          <a:chOff x="0" y="0"/>
-          <a:chExt cx="0" cy="0"/>
-        </a:xfrm>
-      </p:grpSpPr>
-      <p:sp>
-        <p:nvSpPr>
-          <p:cNvPr id="2" name="Title 1">
-            <a:extLst>
-              <a:ext uri="{FF2B5EF4-FFF2-40B4-BE49-F238E27FC236}">
-                <a16:creationId xmlns:a16="http://schemas.microsoft.com/office/drawing/2014/main" id="{CA317722-9261-B16F-DF2C-8CF6D23E8851}"/>
-              </a:ext>
-            </a:extLst>
-          </p:cNvPr>
-          <p:cNvSpPr>
-            <a:spLocks noGrp="1"/>
-          </p:cNvSpPr>
-          <p:nvPr>
-            <p:ph type="ctrTitle"/>
-          </p:nvPr>
-        </p:nvSpPr>
-        <p:spPr/>
-        <p:txBody>
-          <a:bodyPr/>
-          <a:lstStyle/>
-          <a:p>
-            <a:r>
-              <a:rPr lang="en-US" dirty="0"/>
-              <a:t>Solution</a:t>
-            </a:r>
-          </a:p>
-        </p:txBody>
-      </p:sp>
-      <p:sp>
-        <p:nvSpPr>
-          <p:cNvPr id="3" name="Subtitle 2">
-            <a:extLst>
-              <a:ext uri="{FF2B5EF4-FFF2-40B4-BE49-F238E27FC236}">
-                <a16:creationId xmlns:a16="http://schemas.microsoft.com/office/drawing/2014/main" id="{043C9A1C-775D-C72F-DB2C-E4FD1E85D80F}"/>
-              </a:ext>
-            </a:extLst>
-          </p:cNvPr>
-          <p:cNvSpPr>
-            <a:spLocks noGrp="1"/>
-          </p:cNvSpPr>
-          <p:nvPr>
-            <p:ph type="subTitle" idx="1"/>
-          </p:nvPr>
-        </p:nvSpPr>
-        <p:spPr/>
-        <p:txBody>
-          <a:bodyPr/>
-          <a:lstStyle/>
-          <a:p>
-            <a:endParaRPr lang="en-US" dirty="0"/>
-          </a:p>
-        </p:txBody>
-      </p:sp>
-      <p:cxnSp>
-        <p:nvCxnSpPr>
-          <p:cNvPr id="4" name="Straight Connector 3">
-            <a:extLst>
-              <a:ext uri="{FF2B5EF4-FFF2-40B4-BE49-F238E27FC236}">
-                <a16:creationId xmlns:a16="http://schemas.microsoft.com/office/drawing/2014/main" id="{AA241FF2-783E-F0FB-BBB6-BDB4BE717A67}"/>
-              </a:ext>
-            </a:extLst>
-          </p:cNvPr>
-          <p:cNvCxnSpPr>
-            <a:cxnSpLocks/>
-          </p:cNvCxnSpPr>
-          <p:nvPr/>
-        </p:nvCxnSpPr>
-        <p:spPr>
-          <a:xfrm>
-            <a:off x="11580671" y="7607456"/>
-            <a:ext cx="1219200" cy="0"/>
-          </a:xfrm>
-          <a:prstGeom prst="line">
-            <a:avLst/>
-          </a:prstGeom>
-          <a:ln w="25400">
-            <a:solidFill>
-              <a:schemeClr val="tx1"/>
-            </a:solidFill>
-          </a:ln>
-        </p:spPr>
-        <p:style>
-          <a:lnRef idx="1">
-            <a:schemeClr val="accent1"/>
-          </a:lnRef>
-          <a:fillRef idx="0">
-            <a:schemeClr val="accent1"/>
-          </a:fillRef>
-          <a:effectRef idx="0">
-            <a:schemeClr val="accent1"/>
-          </a:effectRef>
-          <a:fontRef idx="minor">
-            <a:schemeClr val="tx1"/>
-          </a:fontRef>
-        </p:style>
-      </p:cxnSp>
-    </p:spTree>
-    <p:extLst>
-      <p:ext uri="{BB962C8B-B14F-4D97-AF65-F5344CB8AC3E}">
-        <p14:creationId xmlns:p14="http://schemas.microsoft.com/office/powerpoint/2010/main" val="3901014800"/>
-      </p:ext>
-    </p:extLst>
-  </p:cSld>
-  <p:clrMapOvr>
-    <a:masterClrMapping/>
-  </p:clrMapOvr>
-</p:sld>
-</file>
-
-<file path=ppt/slides/slide4.xml><?xml version="1.0" encoding="utf-8"?>
-<p:sld xmlns:a="http://schemas.openxmlformats.org/drawingml/2006/main" xmlns:r="http://schemas.openxmlformats.org/officeDocument/2006/relationships" xmlns:p="http://schemas.openxmlformats.org/presentationml/2006/main">
-  <p:cSld>
-    <p:spTree>
-      <p:nvGrpSpPr>
-        <p:cNvPr id="1" name=""/>
-        <p:cNvGrpSpPr/>
-        <p:nvPr/>
-      </p:nvGrpSpPr>
-      <p:grpSpPr>
-        <a:xfrm>
-          <a:off x="0" y="0"/>
-          <a:ext cx="0" cy="0"/>
-          <a:chOff x="0" y="0"/>
-          <a:chExt cx="0" cy="0"/>
-        </a:xfrm>
-      </p:grpSpPr>
-      <p:sp>
-        <p:nvSpPr>
-          <p:cNvPr id="2" name="Title 1">
-            <a:extLst>
-              <a:ext uri="{FF2B5EF4-FFF2-40B4-BE49-F238E27FC236}">
-                <a16:creationId xmlns:a16="http://schemas.microsoft.com/office/drawing/2014/main" id="{74353B3E-38B6-875E-77FE-F027B4174A64}"/>
-              </a:ext>
-            </a:extLst>
-          </p:cNvPr>
-          <p:cNvSpPr>
-            <a:spLocks noGrp="1"/>
-          </p:cNvSpPr>
-          <p:nvPr>
-            <p:ph type="title"/>
-          </p:nvPr>
-        </p:nvSpPr>
-        <p:spPr/>
-        <p:txBody>
-          <a:bodyPr/>
-          <a:lstStyle/>
-          <a:p>
-            <a:r>
-              <a:rPr lang="en-US" dirty="0"/>
-              <a:t>Stepwise Solution</a:t>
-            </a:r>
-          </a:p>
-        </p:txBody>
-      </p:sp>
-      <p:sp>
-        <p:nvSpPr>
-          <p:cNvPr id="3" name="Content Placeholder 2">
-            <a:extLst>
-              <a:ext uri="{FF2B5EF4-FFF2-40B4-BE49-F238E27FC236}">
-                <a16:creationId xmlns:a16="http://schemas.microsoft.com/office/drawing/2014/main" id="{20B0D584-4A01-5609-F39F-441DC9C0861A}"/>
-              </a:ext>
-            </a:extLst>
-          </p:cNvPr>
-          <p:cNvSpPr>
-            <a:spLocks noGrp="1"/>
-          </p:cNvSpPr>
-          <p:nvPr>
-            <p:ph sz="half" idx="1"/>
-          </p:nvPr>
-        </p:nvSpPr>
-        <p:spPr/>
-        <p:txBody>
-          <a:bodyPr/>
-          <a:lstStyle/>
-          <a:p>
-            <a:r>
-              <a:rPr lang="en-US" dirty="0"/>
-              <a:t>The key idea is to reuse edges.  Thus, to create two squares, it would take 7 matches to create the following shape.</a:t>
-            </a:r>
-          </a:p>
-          <a:p>
-            <a:endParaRPr lang="en-US" dirty="0"/>
-          </a:p>
-        </p:txBody>
-      </p:sp>
-      <p:sp>
-        <p:nvSpPr>
-          <p:cNvPr id="4" name="Content Placeholder 3">
-            <a:extLst>
-              <a:ext uri="{FF2B5EF4-FFF2-40B4-BE49-F238E27FC236}">
-                <a16:creationId xmlns:a16="http://schemas.microsoft.com/office/drawing/2014/main" id="{530096D4-2F61-008F-9C8F-699B0A4E3137}"/>
-              </a:ext>
-            </a:extLst>
-          </p:cNvPr>
-          <p:cNvSpPr>
-            <a:spLocks noGrp="1"/>
-          </p:cNvSpPr>
-          <p:nvPr>
-            <p:ph sz="half" idx="2"/>
-          </p:nvPr>
-        </p:nvSpPr>
-        <p:spPr/>
-        <p:txBody>
-          <a:bodyPr/>
-          <a:lstStyle/>
-          <a:p>
-            <a:r>
-              <a:rPr lang="en-US" dirty="0"/>
-              <a:t>10 matches would create the following shape.</a:t>
-            </a:r>
-          </a:p>
-        </p:txBody>
-      </p:sp>
-      <p:grpSp>
-        <p:nvGrpSpPr>
-          <p:cNvPr id="10" name="Group 9">
-            <a:extLst>
-              <a:ext uri="{FF2B5EF4-FFF2-40B4-BE49-F238E27FC236}">
-                <a16:creationId xmlns:a16="http://schemas.microsoft.com/office/drawing/2014/main" id="{CBDB93DD-0CF3-4199-B66B-3418EC1AF522}"/>
-              </a:ext>
-            </a:extLst>
-          </p:cNvPr>
-          <p:cNvGrpSpPr/>
-          <p:nvPr/>
-        </p:nvGrpSpPr>
-        <p:grpSpPr>
-          <a:xfrm>
-            <a:off x="2027141" y="4315113"/>
-            <a:ext cx="2450426" cy="1303868"/>
-            <a:chOff x="2903441" y="4410363"/>
-            <a:chExt cx="2450426" cy="1303868"/>
-          </a:xfrm>
-        </p:grpSpPr>
-        <p:sp>
-          <p:nvSpPr>
-            <p:cNvPr id="6" name="Rectangle 5">
-              <a:extLst>
-                <a:ext uri="{FF2B5EF4-FFF2-40B4-BE49-F238E27FC236}">
-                  <a16:creationId xmlns:a16="http://schemas.microsoft.com/office/drawing/2014/main" id="{851043B6-28F1-BC85-A8B0-200F2C2723A4}"/>
-                </a:ext>
-              </a:extLst>
-            </p:cNvPr>
-            <p:cNvSpPr/>
-            <p:nvPr/>
-          </p:nvSpPr>
-          <p:spPr>
-            <a:xfrm>
-              <a:off x="2903441" y="4410364"/>
-              <a:ext cx="1225213" cy="1303867"/>
-            </a:xfrm>
-            <a:prstGeom prst="rect">
-              <a:avLst/>
-            </a:prstGeom>
-            <a:noFill/>
-            <a:ln w="25400">
-              <a:solidFill>
-                <a:schemeClr val="tx1"/>
-              </a:solidFill>
-            </a:ln>
-          </p:spPr>
-          <p:style>
-            <a:lnRef idx="2">
-              <a:schemeClr val="accent1">
-                <a:shade val="50000"/>
-              </a:schemeClr>
-            </a:lnRef>
-            <a:fillRef idx="1">
-              <a:schemeClr val="accent1"/>
-            </a:fillRef>
-            <a:effectRef idx="0">
-              <a:schemeClr val="accent1"/>
-            </a:effectRef>
-            <a:fontRef idx="minor">
-              <a:schemeClr val="lt1"/>
-            </a:fontRef>
-          </p:style>
-          <p:txBody>
-            <a:bodyPr rtlCol="0" anchor="ctr"/>
-            <a:lstStyle/>
-            <a:p>
-              <a:pPr algn="ctr"/>
-              <a:endParaRPr lang="en-US" dirty="0"/>
-            </a:p>
-          </p:txBody>
-        </p:sp>
-        <p:sp>
-          <p:nvSpPr>
-            <p:cNvPr id="7" name="Rectangle 6">
-              <a:extLst>
-                <a:ext uri="{FF2B5EF4-FFF2-40B4-BE49-F238E27FC236}">
-                  <a16:creationId xmlns:a16="http://schemas.microsoft.com/office/drawing/2014/main" id="{4D219BF8-47EF-B15D-F7A6-EBB8A3558507}"/>
-                </a:ext>
-              </a:extLst>
-            </p:cNvPr>
-            <p:cNvSpPr/>
-            <p:nvPr/>
-          </p:nvSpPr>
-          <p:spPr>
-            <a:xfrm>
-              <a:off x="4128654" y="4410363"/>
-              <a:ext cx="1225213" cy="1303867"/>
-            </a:xfrm>
-            <a:prstGeom prst="rect">
-              <a:avLst/>
-            </a:prstGeom>
-            <a:noFill/>
-            <a:ln w="25400">
-              <a:solidFill>
-                <a:schemeClr val="tx1"/>
-              </a:solidFill>
-            </a:ln>
-          </p:spPr>
-          <p:style>
-            <a:lnRef idx="2">
-              <a:schemeClr val="accent1">
-                <a:shade val="50000"/>
-              </a:schemeClr>
-            </a:lnRef>
-            <a:fillRef idx="1">
-              <a:schemeClr val="accent1"/>
-            </a:fillRef>
-            <a:effectRef idx="0">
-              <a:schemeClr val="accent1"/>
-            </a:effectRef>
-            <a:fontRef idx="minor">
-              <a:schemeClr val="lt1"/>
-            </a:fontRef>
-          </p:style>
-          <p:txBody>
-            <a:bodyPr rtlCol="0" anchor="ctr"/>
-            <a:lstStyle/>
-            <a:p>
-              <a:pPr algn="ctr"/>
-              <a:endParaRPr lang="en-US" dirty="0"/>
-            </a:p>
-          </p:txBody>
-        </p:sp>
-      </p:grpSp>
-      <p:grpSp>
-        <p:nvGrpSpPr>
-          <p:cNvPr id="15" name="Group 14">
-            <a:extLst>
-              <a:ext uri="{FF2B5EF4-FFF2-40B4-BE49-F238E27FC236}">
-                <a16:creationId xmlns:a16="http://schemas.microsoft.com/office/drawing/2014/main" id="{05566E9B-F5EC-2E5A-C6B5-438457F67154}"/>
-              </a:ext>
-            </a:extLst>
-          </p:cNvPr>
-          <p:cNvGrpSpPr/>
-          <p:nvPr/>
-        </p:nvGrpSpPr>
-        <p:grpSpPr>
-          <a:xfrm>
-            <a:off x="6858221" y="3842672"/>
-            <a:ext cx="3675639" cy="1303869"/>
-            <a:chOff x="6583901" y="3812192"/>
-            <a:chExt cx="3675639" cy="1303869"/>
-          </a:xfrm>
-        </p:grpSpPr>
-        <p:sp>
-          <p:nvSpPr>
-            <p:cNvPr id="12" name="Rectangle 11">
-              <a:extLst>
-                <a:ext uri="{FF2B5EF4-FFF2-40B4-BE49-F238E27FC236}">
-                  <a16:creationId xmlns:a16="http://schemas.microsoft.com/office/drawing/2014/main" id="{5D1B2F07-2F2A-E223-C5D8-207D7DCF879D}"/>
-                </a:ext>
-              </a:extLst>
-            </p:cNvPr>
-            <p:cNvSpPr/>
-            <p:nvPr/>
-          </p:nvSpPr>
-          <p:spPr>
-            <a:xfrm>
-              <a:off x="6583901" y="3812194"/>
-              <a:ext cx="1225213" cy="1303867"/>
-            </a:xfrm>
-            <a:prstGeom prst="rect">
-              <a:avLst/>
-            </a:prstGeom>
-            <a:noFill/>
-            <a:ln w="25400">
-              <a:solidFill>
-                <a:schemeClr val="tx1"/>
-              </a:solidFill>
-            </a:ln>
-          </p:spPr>
-          <p:style>
-            <a:lnRef idx="2">
-              <a:schemeClr val="accent1">
-                <a:shade val="50000"/>
-              </a:schemeClr>
-            </a:lnRef>
-            <a:fillRef idx="1">
-              <a:schemeClr val="accent1"/>
-            </a:fillRef>
-            <a:effectRef idx="0">
-              <a:schemeClr val="accent1"/>
-            </a:effectRef>
-            <a:fontRef idx="minor">
-              <a:schemeClr val="lt1"/>
-            </a:fontRef>
-          </p:style>
-          <p:txBody>
-            <a:bodyPr rtlCol="0" anchor="ctr"/>
-            <a:lstStyle/>
-            <a:p>
-              <a:pPr algn="ctr"/>
-              <a:endParaRPr lang="en-US" dirty="0"/>
-            </a:p>
-          </p:txBody>
-        </p:sp>
-        <p:sp>
-          <p:nvSpPr>
-            <p:cNvPr id="13" name="Rectangle 12">
-              <a:extLst>
-                <a:ext uri="{FF2B5EF4-FFF2-40B4-BE49-F238E27FC236}">
-                  <a16:creationId xmlns:a16="http://schemas.microsoft.com/office/drawing/2014/main" id="{A39CD477-54D7-2905-0703-75DA3287A092}"/>
-                </a:ext>
-              </a:extLst>
-            </p:cNvPr>
-            <p:cNvSpPr/>
-            <p:nvPr/>
-          </p:nvSpPr>
-          <p:spPr>
-            <a:xfrm>
-              <a:off x="7809114" y="3812193"/>
-              <a:ext cx="1225213" cy="1303867"/>
-            </a:xfrm>
-            <a:prstGeom prst="rect">
-              <a:avLst/>
-            </a:prstGeom>
-            <a:noFill/>
-            <a:ln w="25400">
-              <a:solidFill>
-                <a:schemeClr val="tx1"/>
-              </a:solidFill>
-            </a:ln>
-          </p:spPr>
-          <p:style>
-            <a:lnRef idx="2">
-              <a:schemeClr val="accent1">
-                <a:shade val="50000"/>
-              </a:schemeClr>
-            </a:lnRef>
-            <a:fillRef idx="1">
-              <a:schemeClr val="accent1"/>
-            </a:fillRef>
-            <a:effectRef idx="0">
-              <a:schemeClr val="accent1"/>
-            </a:effectRef>
-            <a:fontRef idx="minor">
-              <a:schemeClr val="lt1"/>
-            </a:fontRef>
-          </p:style>
-          <p:txBody>
-            <a:bodyPr rtlCol="0" anchor="ctr"/>
-            <a:lstStyle/>
-            <a:p>
-              <a:pPr algn="ctr"/>
-              <a:endParaRPr lang="en-US" dirty="0"/>
-            </a:p>
-          </p:txBody>
-        </p:sp>
-        <p:sp>
-          <p:nvSpPr>
-            <p:cNvPr id="14" name="Rectangle 13">
-              <a:extLst>
-                <a:ext uri="{FF2B5EF4-FFF2-40B4-BE49-F238E27FC236}">
-                  <a16:creationId xmlns:a16="http://schemas.microsoft.com/office/drawing/2014/main" id="{C2D1C9D5-C2A1-2AEB-AF35-160E7DE25016}"/>
-                </a:ext>
-              </a:extLst>
-            </p:cNvPr>
-            <p:cNvSpPr/>
-            <p:nvPr/>
-          </p:nvSpPr>
-          <p:spPr>
-            <a:xfrm>
-              <a:off x="9034327" y="3812192"/>
-              <a:ext cx="1225213" cy="1303867"/>
-            </a:xfrm>
-            <a:prstGeom prst="rect">
-              <a:avLst/>
-            </a:prstGeom>
-            <a:noFill/>
-            <a:ln w="25400">
-              <a:solidFill>
-                <a:schemeClr val="tx1"/>
-              </a:solidFill>
-            </a:ln>
-          </p:spPr>
-          <p:style>
-            <a:lnRef idx="2">
-              <a:schemeClr val="accent1">
-                <a:shade val="50000"/>
-              </a:schemeClr>
-            </a:lnRef>
-            <a:fillRef idx="1">
-              <a:schemeClr val="accent1"/>
-            </a:fillRef>
-            <a:effectRef idx="0">
-              <a:schemeClr val="accent1"/>
-            </a:effectRef>
-            <a:fontRef idx="minor">
-              <a:schemeClr val="lt1"/>
-            </a:fontRef>
-          </p:style>
-          <p:txBody>
-            <a:bodyPr rtlCol="0" anchor="ctr"/>
-            <a:lstStyle/>
-            <a:p>
-              <a:pPr algn="ctr"/>
-              <a:endParaRPr lang="en-US" dirty="0"/>
-            </a:p>
-          </p:txBody>
-        </p:sp>
-      </p:grpSp>
-    </p:spTree>
-    <p:extLst>
-      <p:ext uri="{BB962C8B-B14F-4D97-AF65-F5344CB8AC3E}">
-        <p14:creationId xmlns:p14="http://schemas.microsoft.com/office/powerpoint/2010/main" val="71719669"/>
-      </p:ext>
-    </p:extLst>
-  </p:cSld>
-  <p:clrMapOvr>
-    <a:masterClrMapping/>
-  </p:clrMapOvr>
-</p:sld>
-</file>
-
-<file path=ppt/slides/slide5.xml><?xml version="1.0" encoding="utf-8"?>
-<p:sld xmlns:a="http://schemas.openxmlformats.org/drawingml/2006/main" xmlns:r="http://schemas.openxmlformats.org/officeDocument/2006/relationships" xmlns:p="http://schemas.openxmlformats.org/presentationml/2006/main">
-  <p:cSld>
-    <p:spTree>
-      <p:nvGrpSpPr>
-        <p:cNvPr id="1" name=""/>
-        <p:cNvGrpSpPr/>
-        <p:nvPr/>
-      </p:nvGrpSpPr>
-      <p:grpSpPr>
-        <a:xfrm>
-          <a:off x="0" y="0"/>
-          <a:ext cx="0" cy="0"/>
-          <a:chOff x="0" y="0"/>
-          <a:chExt cx="0" cy="0"/>
-        </a:xfrm>
-      </p:grpSpPr>
-      <p:sp>
-        <p:nvSpPr>
-          <p:cNvPr id="2" name="Title 1">
-            <a:extLst>
-              <a:ext uri="{FF2B5EF4-FFF2-40B4-BE49-F238E27FC236}">
-                <a16:creationId xmlns:a16="http://schemas.microsoft.com/office/drawing/2014/main" id="{AE746723-DFF4-A8CE-17F5-DB1EF010B2C2}"/>
-              </a:ext>
-            </a:extLst>
-          </p:cNvPr>
-          <p:cNvSpPr>
-            <a:spLocks noGrp="1"/>
-          </p:cNvSpPr>
-          <p:nvPr>
-            <p:ph type="title"/>
-          </p:nvPr>
-        </p:nvSpPr>
-        <p:spPr/>
-        <p:txBody>
-          <a:bodyPr/>
-          <a:lstStyle/>
-          <a:p>
-            <a:r>
-              <a:rPr lang="en-US" dirty="0"/>
-              <a:t>3-D Construction</a:t>
-            </a:r>
-          </a:p>
-        </p:txBody>
-      </p:sp>
-      <p:sp>
-        <p:nvSpPr>
-          <p:cNvPr id="3" name="Content Placeholder 2">
-            <a:extLst>
-              <a:ext uri="{FF2B5EF4-FFF2-40B4-BE49-F238E27FC236}">
-                <a16:creationId xmlns:a16="http://schemas.microsoft.com/office/drawing/2014/main" id="{26BAF69D-3BA9-391F-6987-FE9902CEF0F1}"/>
-              </a:ext>
-            </a:extLst>
-          </p:cNvPr>
-          <p:cNvSpPr>
-            <a:spLocks noGrp="1"/>
-          </p:cNvSpPr>
-          <p:nvPr>
-            <p:ph idx="1"/>
-          </p:nvPr>
-        </p:nvSpPr>
-        <p:spPr/>
-        <p:txBody>
-          <a:bodyPr/>
-          <a:lstStyle/>
-          <a:p>
-            <a:r>
-              <a:rPr lang="en-US" dirty="0"/>
-              <a:t>At this point, there are only 2 matches left, which is not enough to construct 3 more squares.  We can do 3-D construction of squares by folding the paper along the edges.</a:t>
-            </a:r>
-          </a:p>
-          <a:p>
-            <a:endParaRPr lang="en-US" dirty="0"/>
-          </a:p>
-        </p:txBody>
-      </p:sp>
-      <p:grpSp>
-        <p:nvGrpSpPr>
-          <p:cNvPr id="25" name="Group 24">
-            <a:extLst>
-              <a:ext uri="{FF2B5EF4-FFF2-40B4-BE49-F238E27FC236}">
-                <a16:creationId xmlns:a16="http://schemas.microsoft.com/office/drawing/2014/main" id="{F5A3F763-1CE0-20EE-3A14-6D20AD4E4937}"/>
-              </a:ext>
-            </a:extLst>
-          </p:cNvPr>
-          <p:cNvGrpSpPr/>
-          <p:nvPr/>
-        </p:nvGrpSpPr>
-        <p:grpSpPr>
-          <a:xfrm>
-            <a:off x="2507239" y="4032250"/>
-            <a:ext cx="1411289" cy="1666875"/>
-            <a:chOff x="2507239" y="4032250"/>
-            <a:chExt cx="1411289" cy="1666875"/>
-          </a:xfrm>
-        </p:grpSpPr>
-        <p:cxnSp>
-          <p:nvCxnSpPr>
-            <p:cNvPr id="11" name="Straight Connector 10">
-              <a:extLst>
-                <a:ext uri="{FF2B5EF4-FFF2-40B4-BE49-F238E27FC236}">
-                  <a16:creationId xmlns:a16="http://schemas.microsoft.com/office/drawing/2014/main" id="{AAF20C34-873F-3E75-D141-9A514CB2BFAF}"/>
-                </a:ext>
-              </a:extLst>
-            </p:cNvPr>
-            <p:cNvCxnSpPr>
-              <a:cxnSpLocks/>
-            </p:cNvCxnSpPr>
-            <p:nvPr/>
-          </p:nvCxnSpPr>
-          <p:spPr>
-            <a:xfrm>
-              <a:off x="2535815" y="4584700"/>
-              <a:ext cx="0" cy="1104900"/>
-            </a:xfrm>
-            <a:prstGeom prst="line">
-              <a:avLst/>
-            </a:prstGeom>
-            <a:ln w="25400">
-              <a:solidFill>
-                <a:schemeClr val="tx1"/>
-              </a:solidFill>
-            </a:ln>
-          </p:spPr>
-          <p:style>
-            <a:lnRef idx="1">
-              <a:schemeClr val="accent1"/>
-            </a:lnRef>
-            <a:fillRef idx="0">
-              <a:schemeClr val="accent1"/>
-            </a:fillRef>
-            <a:effectRef idx="0">
-              <a:schemeClr val="accent1"/>
-            </a:effectRef>
-            <a:fontRef idx="minor">
-              <a:schemeClr val="tx1"/>
-            </a:fontRef>
-          </p:style>
-        </p:cxnSp>
-        <p:cxnSp>
-          <p:nvCxnSpPr>
-            <p:cNvPr id="13" name="Straight Connector 12">
-              <a:extLst>
-                <a:ext uri="{FF2B5EF4-FFF2-40B4-BE49-F238E27FC236}">
-                  <a16:creationId xmlns:a16="http://schemas.microsoft.com/office/drawing/2014/main" id="{76633BD0-AC73-B206-801C-443D304036CB}"/>
-                </a:ext>
-              </a:extLst>
-            </p:cNvPr>
-            <p:cNvCxnSpPr>
-              <a:cxnSpLocks/>
-            </p:cNvCxnSpPr>
-            <p:nvPr/>
-          </p:nvCxnSpPr>
-          <p:spPr>
-            <a:xfrm>
-              <a:off x="3129540" y="4032250"/>
-              <a:ext cx="0" cy="1104900"/>
-            </a:xfrm>
-            <a:prstGeom prst="line">
-              <a:avLst/>
-            </a:prstGeom>
-            <a:ln w="25400">
-              <a:solidFill>
-                <a:schemeClr val="tx1"/>
-              </a:solidFill>
-            </a:ln>
-          </p:spPr>
-          <p:style>
-            <a:lnRef idx="1">
-              <a:schemeClr val="accent1"/>
-            </a:lnRef>
-            <a:fillRef idx="0">
-              <a:schemeClr val="accent1"/>
-            </a:fillRef>
-            <a:effectRef idx="0">
-              <a:schemeClr val="accent1"/>
-            </a:effectRef>
-            <a:fontRef idx="minor">
-              <a:schemeClr val="tx1"/>
-            </a:fontRef>
-          </p:style>
-        </p:cxnSp>
-        <p:cxnSp>
-          <p:nvCxnSpPr>
-            <p:cNvPr id="14" name="Straight Connector 13">
-              <a:extLst>
-                <a:ext uri="{FF2B5EF4-FFF2-40B4-BE49-F238E27FC236}">
-                  <a16:creationId xmlns:a16="http://schemas.microsoft.com/office/drawing/2014/main" id="{0B235F1A-A187-59FF-ACF3-211A868C008B}"/>
-                </a:ext>
-              </a:extLst>
-            </p:cNvPr>
-            <p:cNvCxnSpPr>
-              <a:cxnSpLocks/>
-            </p:cNvCxnSpPr>
-            <p:nvPr/>
-          </p:nvCxnSpPr>
-          <p:spPr>
-            <a:xfrm>
-              <a:off x="3902653" y="4041775"/>
-              <a:ext cx="0" cy="1104900"/>
-            </a:xfrm>
-            <a:prstGeom prst="line">
-              <a:avLst/>
-            </a:prstGeom>
-            <a:ln w="25400">
-              <a:solidFill>
-                <a:schemeClr val="tx1"/>
-              </a:solidFill>
-            </a:ln>
-          </p:spPr>
-          <p:style>
-            <a:lnRef idx="1">
-              <a:schemeClr val="accent1"/>
-            </a:lnRef>
-            <a:fillRef idx="0">
-              <a:schemeClr val="accent1"/>
-            </a:fillRef>
-            <a:effectRef idx="0">
-              <a:schemeClr val="accent1"/>
-            </a:effectRef>
-            <a:fontRef idx="minor">
-              <a:schemeClr val="tx1"/>
-            </a:fontRef>
-          </p:style>
-        </p:cxnSp>
-        <p:cxnSp>
-          <p:nvCxnSpPr>
-            <p:cNvPr id="15" name="Straight Connector 14">
-              <a:extLst>
-                <a:ext uri="{FF2B5EF4-FFF2-40B4-BE49-F238E27FC236}">
-                  <a16:creationId xmlns:a16="http://schemas.microsoft.com/office/drawing/2014/main" id="{47EBEC03-4877-E9F1-B7A9-BD214B4DF735}"/>
-                </a:ext>
-              </a:extLst>
-            </p:cNvPr>
-            <p:cNvCxnSpPr>
-              <a:cxnSpLocks/>
-            </p:cNvCxnSpPr>
-            <p:nvPr/>
-          </p:nvCxnSpPr>
-          <p:spPr>
-            <a:xfrm>
-              <a:off x="3296228" y="4594225"/>
-              <a:ext cx="0" cy="1104900"/>
-            </a:xfrm>
-            <a:prstGeom prst="line">
-              <a:avLst/>
-            </a:prstGeom>
-            <a:ln w="25400">
-              <a:solidFill>
-                <a:schemeClr val="tx1"/>
-              </a:solidFill>
-            </a:ln>
-          </p:spPr>
-          <p:style>
-            <a:lnRef idx="1">
-              <a:schemeClr val="accent1"/>
-            </a:lnRef>
-            <a:fillRef idx="0">
-              <a:schemeClr val="accent1"/>
-            </a:fillRef>
-            <a:effectRef idx="0">
-              <a:schemeClr val="accent1"/>
-            </a:effectRef>
-            <a:fontRef idx="minor">
-              <a:schemeClr val="tx1"/>
-            </a:fontRef>
-          </p:style>
-        </p:cxnSp>
-        <p:cxnSp>
-          <p:nvCxnSpPr>
-            <p:cNvPr id="16" name="Straight Connector 15">
-              <a:extLst>
-                <a:ext uri="{FF2B5EF4-FFF2-40B4-BE49-F238E27FC236}">
-                  <a16:creationId xmlns:a16="http://schemas.microsoft.com/office/drawing/2014/main" id="{E6B38E8A-7005-3E23-0AD5-58F566EF967C}"/>
-                </a:ext>
-              </a:extLst>
-            </p:cNvPr>
-            <p:cNvCxnSpPr>
-              <a:cxnSpLocks/>
-            </p:cNvCxnSpPr>
-            <p:nvPr/>
-          </p:nvCxnSpPr>
-          <p:spPr>
-            <a:xfrm flipH="1">
-              <a:off x="2535815" y="4041775"/>
-              <a:ext cx="593725" cy="552450"/>
-            </a:xfrm>
-            <a:prstGeom prst="line">
-              <a:avLst/>
-            </a:prstGeom>
-            <a:ln w="25400">
-              <a:solidFill>
-                <a:schemeClr val="tx1"/>
-              </a:solidFill>
-            </a:ln>
-          </p:spPr>
-          <p:style>
-            <a:lnRef idx="1">
-              <a:schemeClr val="accent1"/>
-            </a:lnRef>
-            <a:fillRef idx="0">
-              <a:schemeClr val="accent1"/>
-            </a:fillRef>
-            <a:effectRef idx="0">
-              <a:schemeClr val="accent1"/>
-            </a:effectRef>
-            <a:fontRef idx="minor">
-              <a:schemeClr val="tx1"/>
-            </a:fontRef>
-          </p:style>
-        </p:cxnSp>
-        <p:cxnSp>
-          <p:nvCxnSpPr>
-            <p:cNvPr id="18" name="Straight Connector 17">
-              <a:extLst>
-                <a:ext uri="{FF2B5EF4-FFF2-40B4-BE49-F238E27FC236}">
-                  <a16:creationId xmlns:a16="http://schemas.microsoft.com/office/drawing/2014/main" id="{CC1FA76D-4E89-A6A5-FE69-52CB5059A770}"/>
-                </a:ext>
-              </a:extLst>
-            </p:cNvPr>
-            <p:cNvCxnSpPr>
-              <a:cxnSpLocks/>
-            </p:cNvCxnSpPr>
-            <p:nvPr/>
-          </p:nvCxnSpPr>
-          <p:spPr>
-            <a:xfrm flipH="1">
-              <a:off x="2535814" y="5132388"/>
-              <a:ext cx="593725" cy="552450"/>
-            </a:xfrm>
-            <a:prstGeom prst="line">
-              <a:avLst/>
-            </a:prstGeom>
-            <a:ln w="25400">
-              <a:solidFill>
-                <a:schemeClr val="tx1"/>
-              </a:solidFill>
-            </a:ln>
-          </p:spPr>
-          <p:style>
-            <a:lnRef idx="1">
-              <a:schemeClr val="accent1"/>
-            </a:lnRef>
-            <a:fillRef idx="0">
-              <a:schemeClr val="accent1"/>
-            </a:fillRef>
-            <a:effectRef idx="0">
-              <a:schemeClr val="accent1"/>
-            </a:effectRef>
-            <a:fontRef idx="minor">
-              <a:schemeClr val="tx1"/>
-            </a:fontRef>
-          </p:style>
-        </p:cxnSp>
-        <p:cxnSp>
-          <p:nvCxnSpPr>
-            <p:cNvPr id="19" name="Straight Connector 18">
-              <a:extLst>
-                <a:ext uri="{FF2B5EF4-FFF2-40B4-BE49-F238E27FC236}">
-                  <a16:creationId xmlns:a16="http://schemas.microsoft.com/office/drawing/2014/main" id="{807CF7E7-4FC3-6287-F3D5-8B4FE3CAB3DD}"/>
-                </a:ext>
-              </a:extLst>
-            </p:cNvPr>
-            <p:cNvCxnSpPr>
-              <a:cxnSpLocks/>
-            </p:cNvCxnSpPr>
-            <p:nvPr/>
-          </p:nvCxnSpPr>
-          <p:spPr>
-            <a:xfrm flipH="1">
-              <a:off x="3129539" y="5137151"/>
-              <a:ext cx="788989" cy="0"/>
-            </a:xfrm>
-            <a:prstGeom prst="line">
-              <a:avLst/>
-            </a:prstGeom>
-            <a:ln w="25400">
-              <a:solidFill>
-                <a:schemeClr val="tx1"/>
-              </a:solidFill>
-            </a:ln>
-          </p:spPr>
-          <p:style>
-            <a:lnRef idx="1">
-              <a:schemeClr val="accent1"/>
-            </a:lnRef>
-            <a:fillRef idx="0">
-              <a:schemeClr val="accent1"/>
-            </a:fillRef>
-            <a:effectRef idx="0">
-              <a:schemeClr val="accent1"/>
-            </a:effectRef>
-            <a:fontRef idx="minor">
-              <a:schemeClr val="tx1"/>
-            </a:fontRef>
-          </p:style>
-        </p:cxnSp>
-        <p:cxnSp>
-          <p:nvCxnSpPr>
-            <p:cNvPr id="21" name="Straight Connector 20">
-              <a:extLst>
-                <a:ext uri="{FF2B5EF4-FFF2-40B4-BE49-F238E27FC236}">
-                  <a16:creationId xmlns:a16="http://schemas.microsoft.com/office/drawing/2014/main" id="{A8F1947B-CF0E-86DE-5D29-C22644CFD8C8}"/>
-                </a:ext>
-              </a:extLst>
-            </p:cNvPr>
-            <p:cNvCxnSpPr>
-              <a:cxnSpLocks/>
-            </p:cNvCxnSpPr>
-            <p:nvPr/>
-          </p:nvCxnSpPr>
-          <p:spPr>
-            <a:xfrm flipH="1">
-              <a:off x="2507239" y="5684838"/>
-              <a:ext cx="788989" cy="0"/>
-            </a:xfrm>
-            <a:prstGeom prst="line">
-              <a:avLst/>
-            </a:prstGeom>
-            <a:ln w="25400">
-              <a:solidFill>
-                <a:schemeClr val="tx1"/>
-              </a:solidFill>
-            </a:ln>
-          </p:spPr>
-          <p:style>
-            <a:lnRef idx="1">
-              <a:schemeClr val="accent1"/>
-            </a:lnRef>
-            <a:fillRef idx="0">
-              <a:schemeClr val="accent1"/>
-            </a:fillRef>
-            <a:effectRef idx="0">
-              <a:schemeClr val="accent1"/>
-            </a:effectRef>
-            <a:fontRef idx="minor">
-              <a:schemeClr val="tx1"/>
-            </a:fontRef>
-          </p:style>
-        </p:cxnSp>
-        <p:cxnSp>
-          <p:nvCxnSpPr>
-            <p:cNvPr id="22" name="Straight Connector 21">
-              <a:extLst>
-                <a:ext uri="{FF2B5EF4-FFF2-40B4-BE49-F238E27FC236}">
-                  <a16:creationId xmlns:a16="http://schemas.microsoft.com/office/drawing/2014/main" id="{97CC76F0-922F-E900-114C-1C9FBDE097C7}"/>
-                </a:ext>
-              </a:extLst>
-            </p:cNvPr>
-            <p:cNvCxnSpPr>
-              <a:cxnSpLocks/>
-            </p:cNvCxnSpPr>
-            <p:nvPr/>
-          </p:nvCxnSpPr>
-          <p:spPr>
-            <a:xfrm flipH="1">
-              <a:off x="3296228" y="4067175"/>
-              <a:ext cx="593725" cy="552450"/>
-            </a:xfrm>
-            <a:prstGeom prst="line">
-              <a:avLst/>
-            </a:prstGeom>
-            <a:ln w="25400">
-              <a:solidFill>
-                <a:schemeClr val="tx1"/>
-              </a:solidFill>
-            </a:ln>
-          </p:spPr>
-          <p:style>
-            <a:lnRef idx="1">
-              <a:schemeClr val="accent1"/>
-            </a:lnRef>
-            <a:fillRef idx="0">
-              <a:schemeClr val="accent1"/>
-            </a:fillRef>
-            <a:effectRef idx="0">
-              <a:schemeClr val="accent1"/>
-            </a:effectRef>
-            <a:fontRef idx="minor">
-              <a:schemeClr val="tx1"/>
-            </a:fontRef>
-          </p:style>
-        </p:cxnSp>
-        <p:cxnSp>
-          <p:nvCxnSpPr>
-            <p:cNvPr id="24" name="Straight Connector 23">
-              <a:extLst>
-                <a:ext uri="{FF2B5EF4-FFF2-40B4-BE49-F238E27FC236}">
-                  <a16:creationId xmlns:a16="http://schemas.microsoft.com/office/drawing/2014/main" id="{A5CC5219-44D0-799F-9B7B-E59302B16C2A}"/>
-                </a:ext>
-              </a:extLst>
-            </p:cNvPr>
-            <p:cNvCxnSpPr>
-              <a:cxnSpLocks/>
-            </p:cNvCxnSpPr>
-            <p:nvPr/>
-          </p:nvCxnSpPr>
-          <p:spPr>
-            <a:xfrm flipH="1">
-              <a:off x="3308926" y="5141383"/>
-              <a:ext cx="593725" cy="552450"/>
-            </a:xfrm>
-            <a:prstGeom prst="line">
-              <a:avLst/>
-            </a:prstGeom>
-            <a:ln w="25400">
-              <a:solidFill>
-                <a:schemeClr val="tx1"/>
-              </a:solidFill>
-            </a:ln>
-          </p:spPr>
-          <p:style>
-            <a:lnRef idx="1">
-              <a:schemeClr val="accent1"/>
-            </a:lnRef>
-            <a:fillRef idx="0">
-              <a:schemeClr val="accent1"/>
-            </a:fillRef>
-            <a:effectRef idx="0">
-              <a:schemeClr val="accent1"/>
-            </a:effectRef>
-            <a:fontRef idx="minor">
-              <a:schemeClr val="tx1"/>
-            </a:fontRef>
-          </p:style>
-        </p:cxnSp>
-      </p:grpSp>
-      <p:grpSp>
-        <p:nvGrpSpPr>
-          <p:cNvPr id="39" name="Group 38">
-            <a:extLst>
-              <a:ext uri="{FF2B5EF4-FFF2-40B4-BE49-F238E27FC236}">
-                <a16:creationId xmlns:a16="http://schemas.microsoft.com/office/drawing/2014/main" id="{CFA55B66-518A-BA00-149D-68B03F8764CE}"/>
-              </a:ext>
-            </a:extLst>
-          </p:cNvPr>
-          <p:cNvGrpSpPr/>
-          <p:nvPr/>
-        </p:nvGrpSpPr>
-        <p:grpSpPr>
-          <a:xfrm>
-            <a:off x="5213710" y="4056714"/>
-            <a:ext cx="1411289" cy="1666875"/>
-            <a:chOff x="5213710" y="4056714"/>
-            <a:chExt cx="1411289" cy="1666875"/>
-          </a:xfrm>
-        </p:grpSpPr>
-        <p:cxnSp>
-          <p:nvCxnSpPr>
-            <p:cNvPr id="27" name="Straight Connector 26">
-              <a:extLst>
-                <a:ext uri="{FF2B5EF4-FFF2-40B4-BE49-F238E27FC236}">
-                  <a16:creationId xmlns:a16="http://schemas.microsoft.com/office/drawing/2014/main" id="{B7BE2C87-9B01-AE47-8AF6-E0A71D55F5CC}"/>
-                </a:ext>
-              </a:extLst>
-            </p:cNvPr>
-            <p:cNvCxnSpPr>
-              <a:cxnSpLocks/>
-            </p:cNvCxnSpPr>
-            <p:nvPr/>
-          </p:nvCxnSpPr>
-          <p:spPr>
-            <a:xfrm>
-              <a:off x="5242286" y="4609164"/>
-              <a:ext cx="0" cy="1104900"/>
-            </a:xfrm>
-            <a:prstGeom prst="line">
-              <a:avLst/>
-            </a:prstGeom>
-            <a:ln w="25400">
-              <a:solidFill>
-                <a:schemeClr val="tx1"/>
-              </a:solidFill>
-            </a:ln>
-          </p:spPr>
-          <p:style>
-            <a:lnRef idx="1">
-              <a:schemeClr val="accent1"/>
-            </a:lnRef>
-            <a:fillRef idx="0">
-              <a:schemeClr val="accent1"/>
-            </a:fillRef>
-            <a:effectRef idx="0">
-              <a:schemeClr val="accent1"/>
-            </a:effectRef>
-            <a:fontRef idx="minor">
-              <a:schemeClr val="tx1"/>
-            </a:fontRef>
-          </p:style>
-        </p:cxnSp>
-        <p:cxnSp>
-          <p:nvCxnSpPr>
-            <p:cNvPr id="28" name="Straight Connector 27">
-              <a:extLst>
-                <a:ext uri="{FF2B5EF4-FFF2-40B4-BE49-F238E27FC236}">
-                  <a16:creationId xmlns:a16="http://schemas.microsoft.com/office/drawing/2014/main" id="{74BD5E31-0BE1-EDB0-6CAF-C07E8FD6E3FD}"/>
-                </a:ext>
-              </a:extLst>
-            </p:cNvPr>
-            <p:cNvCxnSpPr>
-              <a:cxnSpLocks/>
-            </p:cNvCxnSpPr>
-            <p:nvPr/>
-          </p:nvCxnSpPr>
-          <p:spPr>
-            <a:xfrm>
-              <a:off x="5836011" y="4056714"/>
-              <a:ext cx="0" cy="1104900"/>
-            </a:xfrm>
-            <a:prstGeom prst="line">
-              <a:avLst/>
-            </a:prstGeom>
-            <a:ln w="25400">
-              <a:solidFill>
-                <a:schemeClr val="tx1"/>
-              </a:solidFill>
-            </a:ln>
-          </p:spPr>
-          <p:style>
-            <a:lnRef idx="1">
-              <a:schemeClr val="accent1"/>
-            </a:lnRef>
-            <a:fillRef idx="0">
-              <a:schemeClr val="accent1"/>
-            </a:fillRef>
-            <a:effectRef idx="0">
-              <a:schemeClr val="accent1"/>
-            </a:effectRef>
-            <a:fontRef idx="minor">
-              <a:schemeClr val="tx1"/>
-            </a:fontRef>
-          </p:style>
-        </p:cxnSp>
-        <p:cxnSp>
-          <p:nvCxnSpPr>
-            <p:cNvPr id="29" name="Straight Connector 28">
-              <a:extLst>
-                <a:ext uri="{FF2B5EF4-FFF2-40B4-BE49-F238E27FC236}">
-                  <a16:creationId xmlns:a16="http://schemas.microsoft.com/office/drawing/2014/main" id="{1D7B0034-D0B5-F5C9-DE74-2BF977D0CE19}"/>
-                </a:ext>
-              </a:extLst>
-            </p:cNvPr>
-            <p:cNvCxnSpPr>
-              <a:cxnSpLocks/>
-            </p:cNvCxnSpPr>
-            <p:nvPr/>
-          </p:nvCxnSpPr>
-          <p:spPr>
-            <a:xfrm>
-              <a:off x="6609124" y="4066239"/>
-              <a:ext cx="0" cy="1104900"/>
-            </a:xfrm>
-            <a:prstGeom prst="line">
-              <a:avLst/>
-            </a:prstGeom>
-            <a:ln w="25400">
-              <a:solidFill>
-                <a:schemeClr val="tx1"/>
-              </a:solidFill>
-            </a:ln>
-          </p:spPr>
-          <p:style>
-            <a:lnRef idx="1">
-              <a:schemeClr val="accent1"/>
-            </a:lnRef>
-            <a:fillRef idx="0">
-              <a:schemeClr val="accent1"/>
-            </a:fillRef>
-            <a:effectRef idx="0">
-              <a:schemeClr val="accent1"/>
-            </a:effectRef>
-            <a:fontRef idx="minor">
-              <a:schemeClr val="tx1"/>
-            </a:fontRef>
-          </p:style>
-        </p:cxnSp>
-        <p:cxnSp>
-          <p:nvCxnSpPr>
-            <p:cNvPr id="30" name="Straight Connector 29">
-              <a:extLst>
-                <a:ext uri="{FF2B5EF4-FFF2-40B4-BE49-F238E27FC236}">
-                  <a16:creationId xmlns:a16="http://schemas.microsoft.com/office/drawing/2014/main" id="{C5FBA0B2-0D03-03EC-7467-B35ECCAAE7B0}"/>
-                </a:ext>
-              </a:extLst>
-            </p:cNvPr>
-            <p:cNvCxnSpPr>
-              <a:cxnSpLocks/>
-            </p:cNvCxnSpPr>
-            <p:nvPr/>
-          </p:nvCxnSpPr>
-          <p:spPr>
-            <a:xfrm>
-              <a:off x="6002699" y="4618689"/>
-              <a:ext cx="0" cy="1104900"/>
-            </a:xfrm>
-            <a:prstGeom prst="line">
-              <a:avLst/>
-            </a:prstGeom>
-            <a:ln w="25400">
-              <a:solidFill>
-                <a:schemeClr val="tx1"/>
-              </a:solidFill>
-            </a:ln>
-          </p:spPr>
-          <p:style>
-            <a:lnRef idx="1">
-              <a:schemeClr val="accent1"/>
-            </a:lnRef>
-            <a:fillRef idx="0">
-              <a:schemeClr val="accent1"/>
-            </a:fillRef>
-            <a:effectRef idx="0">
-              <a:schemeClr val="accent1"/>
-            </a:effectRef>
-            <a:fontRef idx="minor">
-              <a:schemeClr val="tx1"/>
-            </a:fontRef>
-          </p:style>
-        </p:cxnSp>
-        <p:cxnSp>
-          <p:nvCxnSpPr>
-            <p:cNvPr id="31" name="Straight Connector 30">
-              <a:extLst>
-                <a:ext uri="{FF2B5EF4-FFF2-40B4-BE49-F238E27FC236}">
-                  <a16:creationId xmlns:a16="http://schemas.microsoft.com/office/drawing/2014/main" id="{53499D22-E839-5F08-CD60-A52FF09A3AFE}"/>
-                </a:ext>
-              </a:extLst>
-            </p:cNvPr>
-            <p:cNvCxnSpPr>
-              <a:cxnSpLocks/>
-            </p:cNvCxnSpPr>
-            <p:nvPr/>
-          </p:nvCxnSpPr>
-          <p:spPr>
-            <a:xfrm flipH="1">
-              <a:off x="5242286" y="4066239"/>
-              <a:ext cx="593725" cy="552450"/>
-            </a:xfrm>
-            <a:prstGeom prst="line">
-              <a:avLst/>
-            </a:prstGeom>
-            <a:ln w="25400">
-              <a:solidFill>
-                <a:schemeClr val="tx1"/>
-              </a:solidFill>
-            </a:ln>
-          </p:spPr>
-          <p:style>
-            <a:lnRef idx="1">
-              <a:schemeClr val="accent1"/>
-            </a:lnRef>
-            <a:fillRef idx="0">
-              <a:schemeClr val="accent1"/>
-            </a:fillRef>
-            <a:effectRef idx="0">
-              <a:schemeClr val="accent1"/>
-            </a:effectRef>
-            <a:fontRef idx="minor">
-              <a:schemeClr val="tx1"/>
-            </a:fontRef>
-          </p:style>
-        </p:cxnSp>
-        <p:cxnSp>
-          <p:nvCxnSpPr>
-            <p:cNvPr id="32" name="Straight Connector 31">
-              <a:extLst>
-                <a:ext uri="{FF2B5EF4-FFF2-40B4-BE49-F238E27FC236}">
-                  <a16:creationId xmlns:a16="http://schemas.microsoft.com/office/drawing/2014/main" id="{0B06EECA-2650-C560-9075-39DBDA5E131D}"/>
-                </a:ext>
-              </a:extLst>
-            </p:cNvPr>
-            <p:cNvCxnSpPr>
-              <a:cxnSpLocks/>
-            </p:cNvCxnSpPr>
-            <p:nvPr/>
-          </p:nvCxnSpPr>
-          <p:spPr>
-            <a:xfrm flipH="1">
-              <a:off x="5242285" y="5156852"/>
-              <a:ext cx="593725" cy="552450"/>
-            </a:xfrm>
-            <a:prstGeom prst="line">
-              <a:avLst/>
-            </a:prstGeom>
-            <a:ln w="25400">
-              <a:solidFill>
-                <a:schemeClr val="tx1"/>
-              </a:solidFill>
-            </a:ln>
-          </p:spPr>
-          <p:style>
-            <a:lnRef idx="1">
-              <a:schemeClr val="accent1"/>
-            </a:lnRef>
-            <a:fillRef idx="0">
-              <a:schemeClr val="accent1"/>
-            </a:fillRef>
-            <a:effectRef idx="0">
-              <a:schemeClr val="accent1"/>
-            </a:effectRef>
-            <a:fontRef idx="minor">
-              <a:schemeClr val="tx1"/>
-            </a:fontRef>
-          </p:style>
-        </p:cxnSp>
-        <p:cxnSp>
-          <p:nvCxnSpPr>
-            <p:cNvPr id="33" name="Straight Connector 32">
-              <a:extLst>
-                <a:ext uri="{FF2B5EF4-FFF2-40B4-BE49-F238E27FC236}">
-                  <a16:creationId xmlns:a16="http://schemas.microsoft.com/office/drawing/2014/main" id="{23EE3B58-6479-BA69-D575-0D81CEBE9DBF}"/>
-                </a:ext>
-              </a:extLst>
-            </p:cNvPr>
-            <p:cNvCxnSpPr>
-              <a:cxnSpLocks/>
-            </p:cNvCxnSpPr>
-            <p:nvPr/>
-          </p:nvCxnSpPr>
-          <p:spPr>
-            <a:xfrm flipH="1">
-              <a:off x="5836010" y="5161615"/>
-              <a:ext cx="788989" cy="0"/>
-            </a:xfrm>
-            <a:prstGeom prst="line">
-              <a:avLst/>
-            </a:prstGeom>
-            <a:ln w="25400">
-              <a:solidFill>
-                <a:schemeClr val="tx1"/>
-              </a:solidFill>
-            </a:ln>
-          </p:spPr>
-          <p:style>
-            <a:lnRef idx="1">
-              <a:schemeClr val="accent1"/>
-            </a:lnRef>
-            <a:fillRef idx="0">
-              <a:schemeClr val="accent1"/>
-            </a:fillRef>
-            <a:effectRef idx="0">
-              <a:schemeClr val="accent1"/>
-            </a:effectRef>
-            <a:fontRef idx="minor">
-              <a:schemeClr val="tx1"/>
-            </a:fontRef>
-          </p:style>
-        </p:cxnSp>
-        <p:cxnSp>
-          <p:nvCxnSpPr>
-            <p:cNvPr id="34" name="Straight Connector 33">
-              <a:extLst>
-                <a:ext uri="{FF2B5EF4-FFF2-40B4-BE49-F238E27FC236}">
-                  <a16:creationId xmlns:a16="http://schemas.microsoft.com/office/drawing/2014/main" id="{65C4ECE0-19FD-BE6E-D41D-CD1E7B329B64}"/>
-                </a:ext>
-              </a:extLst>
-            </p:cNvPr>
-            <p:cNvCxnSpPr>
-              <a:cxnSpLocks/>
-            </p:cNvCxnSpPr>
-            <p:nvPr/>
-          </p:nvCxnSpPr>
-          <p:spPr>
-            <a:xfrm flipH="1">
-              <a:off x="5213710" y="5709302"/>
-              <a:ext cx="788989" cy="0"/>
-            </a:xfrm>
-            <a:prstGeom prst="line">
-              <a:avLst/>
-            </a:prstGeom>
-            <a:ln w="25400">
-              <a:solidFill>
-                <a:schemeClr val="tx1"/>
-              </a:solidFill>
-            </a:ln>
-          </p:spPr>
-          <p:style>
-            <a:lnRef idx="1">
-              <a:schemeClr val="accent1"/>
-            </a:lnRef>
-            <a:fillRef idx="0">
-              <a:schemeClr val="accent1"/>
-            </a:fillRef>
-            <a:effectRef idx="0">
-              <a:schemeClr val="accent1"/>
-            </a:effectRef>
-            <a:fontRef idx="minor">
-              <a:schemeClr val="tx1"/>
-            </a:fontRef>
-          </p:style>
-        </p:cxnSp>
-        <p:cxnSp>
-          <p:nvCxnSpPr>
-            <p:cNvPr id="35" name="Straight Connector 34">
-              <a:extLst>
-                <a:ext uri="{FF2B5EF4-FFF2-40B4-BE49-F238E27FC236}">
-                  <a16:creationId xmlns:a16="http://schemas.microsoft.com/office/drawing/2014/main" id="{C0024988-A18E-E7BA-6E14-391998152D24}"/>
-                </a:ext>
-              </a:extLst>
-            </p:cNvPr>
-            <p:cNvCxnSpPr>
-              <a:cxnSpLocks/>
-            </p:cNvCxnSpPr>
-            <p:nvPr/>
-          </p:nvCxnSpPr>
-          <p:spPr>
-            <a:xfrm flipH="1">
-              <a:off x="6015399" y="4091639"/>
-              <a:ext cx="593725" cy="552450"/>
-            </a:xfrm>
-            <a:prstGeom prst="line">
-              <a:avLst/>
-            </a:prstGeom>
-            <a:ln w="25400">
-              <a:solidFill>
-                <a:schemeClr val="tx1"/>
-              </a:solidFill>
-            </a:ln>
-          </p:spPr>
-          <p:style>
-            <a:lnRef idx="1">
-              <a:schemeClr val="accent1"/>
-            </a:lnRef>
-            <a:fillRef idx="0">
-              <a:schemeClr val="accent1"/>
-            </a:fillRef>
-            <a:effectRef idx="0">
-              <a:schemeClr val="accent1"/>
-            </a:effectRef>
-            <a:fontRef idx="minor">
-              <a:schemeClr val="tx1"/>
-            </a:fontRef>
-          </p:style>
-        </p:cxnSp>
-        <p:cxnSp>
-          <p:nvCxnSpPr>
-            <p:cNvPr id="36" name="Straight Connector 35">
-              <a:extLst>
-                <a:ext uri="{FF2B5EF4-FFF2-40B4-BE49-F238E27FC236}">
-                  <a16:creationId xmlns:a16="http://schemas.microsoft.com/office/drawing/2014/main" id="{10EE9717-8DDD-1BD5-22B3-94F322387544}"/>
-                </a:ext>
-              </a:extLst>
-            </p:cNvPr>
-            <p:cNvCxnSpPr>
-              <a:cxnSpLocks/>
-            </p:cNvCxnSpPr>
-            <p:nvPr/>
-          </p:nvCxnSpPr>
-          <p:spPr>
-            <a:xfrm flipH="1">
-              <a:off x="6015397" y="5165847"/>
-              <a:ext cx="593725" cy="552450"/>
-            </a:xfrm>
-            <a:prstGeom prst="line">
-              <a:avLst/>
-            </a:prstGeom>
-            <a:ln w="25400">
-              <a:solidFill>
-                <a:schemeClr val="tx1"/>
-              </a:solidFill>
-            </a:ln>
-          </p:spPr>
-          <p:style>
-            <a:lnRef idx="1">
-              <a:schemeClr val="accent1"/>
-            </a:lnRef>
-            <a:fillRef idx="0">
-              <a:schemeClr val="accent1"/>
-            </a:fillRef>
-            <a:effectRef idx="0">
-              <a:schemeClr val="accent1"/>
-            </a:effectRef>
-            <a:fontRef idx="minor">
-              <a:schemeClr val="tx1"/>
-            </a:fontRef>
-          </p:style>
-        </p:cxnSp>
-        <p:cxnSp>
-          <p:nvCxnSpPr>
-            <p:cNvPr id="37" name="Straight Connector 36">
-              <a:extLst>
-                <a:ext uri="{FF2B5EF4-FFF2-40B4-BE49-F238E27FC236}">
-                  <a16:creationId xmlns:a16="http://schemas.microsoft.com/office/drawing/2014/main" id="{C7A62BD7-7332-9863-A408-8602D10F9980}"/>
-                </a:ext>
-              </a:extLst>
-            </p:cNvPr>
-            <p:cNvCxnSpPr>
-              <a:cxnSpLocks/>
-            </p:cNvCxnSpPr>
-            <p:nvPr/>
-          </p:nvCxnSpPr>
-          <p:spPr>
-            <a:xfrm flipH="1">
-              <a:off x="5242285" y="4644089"/>
-              <a:ext cx="788989" cy="0"/>
-            </a:xfrm>
-            <a:prstGeom prst="line">
-              <a:avLst/>
-            </a:prstGeom>
-            <a:ln w="25400">
-              <a:solidFill>
-                <a:schemeClr val="tx1"/>
-              </a:solidFill>
-            </a:ln>
-          </p:spPr>
-          <p:style>
-            <a:lnRef idx="1">
-              <a:schemeClr val="accent1"/>
-            </a:lnRef>
-            <a:fillRef idx="0">
-              <a:schemeClr val="accent1"/>
-            </a:fillRef>
-            <a:effectRef idx="0">
-              <a:schemeClr val="accent1"/>
-            </a:effectRef>
-            <a:fontRef idx="minor">
-              <a:schemeClr val="tx1"/>
-            </a:fontRef>
-          </p:style>
-        </p:cxnSp>
-        <p:cxnSp>
-          <p:nvCxnSpPr>
-            <p:cNvPr id="38" name="Straight Connector 37">
-              <a:extLst>
-                <a:ext uri="{FF2B5EF4-FFF2-40B4-BE49-F238E27FC236}">
-                  <a16:creationId xmlns:a16="http://schemas.microsoft.com/office/drawing/2014/main" id="{AE7F5EDD-6407-E40B-FF56-5FEA02BA1339}"/>
-                </a:ext>
-              </a:extLst>
-            </p:cNvPr>
-            <p:cNvCxnSpPr>
-              <a:cxnSpLocks/>
-            </p:cNvCxnSpPr>
-            <p:nvPr/>
-          </p:nvCxnSpPr>
-          <p:spPr>
-            <a:xfrm flipH="1">
-              <a:off x="5836010" y="4066239"/>
-              <a:ext cx="788989" cy="0"/>
-            </a:xfrm>
-            <a:prstGeom prst="line">
-              <a:avLst/>
-            </a:prstGeom>
-            <a:ln w="25400">
-              <a:solidFill>
-                <a:schemeClr val="tx1"/>
-              </a:solidFill>
-            </a:ln>
-          </p:spPr>
-          <p:style>
-            <a:lnRef idx="1">
-              <a:schemeClr val="accent1"/>
-            </a:lnRef>
-            <a:fillRef idx="0">
-              <a:schemeClr val="accent1"/>
-            </a:fillRef>
-            <a:effectRef idx="0">
-              <a:schemeClr val="accent1"/>
-            </a:effectRef>
-            <a:fontRef idx="minor">
-              <a:schemeClr val="tx1"/>
-            </a:fontRef>
-          </p:style>
-        </p:cxnSp>
-      </p:grpSp>
-      <p:sp>
-        <p:nvSpPr>
-          <p:cNvPr id="40" name="Arrow: Right 39">
-            <a:extLst>
-              <a:ext uri="{FF2B5EF4-FFF2-40B4-BE49-F238E27FC236}">
-                <a16:creationId xmlns:a16="http://schemas.microsoft.com/office/drawing/2014/main" id="{0BCD345F-9C8C-60E4-79CD-F7C602D90346}"/>
-              </a:ext>
-            </a:extLst>
-          </p:cNvPr>
-          <p:cNvSpPr/>
-          <p:nvPr/>
-        </p:nvSpPr>
-        <p:spPr>
-          <a:xfrm>
-            <a:off x="4318000" y="4644089"/>
-            <a:ext cx="508000" cy="340658"/>
-          </a:xfrm>
-          <a:prstGeom prst="rightArrow">
-            <a:avLst/>
-          </a:prstGeom>
-        </p:spPr>
-        <p:style>
-          <a:lnRef idx="2">
-            <a:schemeClr val="accent1">
-              <a:shade val="50000"/>
-            </a:schemeClr>
-          </a:lnRef>
-          <a:fillRef idx="1">
-            <a:schemeClr val="accent1"/>
-          </a:fillRef>
-          <a:effectRef idx="0">
-            <a:schemeClr val="accent1"/>
-          </a:effectRef>
-          <a:fontRef idx="minor">
-            <a:schemeClr val="lt1"/>
-          </a:fontRef>
-        </p:style>
-        <p:txBody>
-          <a:bodyPr rtlCol="0" anchor="ctr"/>
-          <a:lstStyle/>
-          <a:p>
-            <a:pPr algn="ctr"/>
-            <a:endParaRPr lang="en-US"/>
-          </a:p>
-        </p:txBody>
-      </p:sp>
-    </p:spTree>
-    <p:extLst>
-      <p:ext uri="{BB962C8B-B14F-4D97-AF65-F5344CB8AC3E}">
-        <p14:creationId xmlns:p14="http://schemas.microsoft.com/office/powerpoint/2010/main" val="392235715"/>
-      </p:ext>
-    </p:extLst>
-  </p:cSld>
-  <p:clrMapOvr>
-    <a:masterClrMapping/>
-  </p:clrMapOvr>
-</p:sld>
-</file>
-
-<file path=ppt/slides/slide6.xml><?xml version="1.0" encoding="utf-8"?>
-<p:sld xmlns:a="http://schemas.openxmlformats.org/drawingml/2006/main" xmlns:r="http://schemas.openxmlformats.org/officeDocument/2006/relationships" xmlns:p="http://schemas.openxmlformats.org/presentationml/2006/main">
-  <p:cSld>
-    <p:spTree>
-      <p:nvGrpSpPr>
-        <p:cNvPr id="1" name=""/>
-        <p:cNvGrpSpPr/>
-        <p:nvPr/>
-      </p:nvGrpSpPr>
-      <p:grpSpPr>
-        <a:xfrm>
-          <a:off x="0" y="0"/>
-          <a:ext cx="0" cy="0"/>
-          <a:chOff x="0" y="0"/>
-          <a:chExt cx="0" cy="0"/>
-        </a:xfrm>
-      </p:grpSpPr>
-      <p:sp>
-        <p:nvSpPr>
-          <p:cNvPr id="2" name="Title 1">
-            <a:extLst>
-              <a:ext uri="{FF2B5EF4-FFF2-40B4-BE49-F238E27FC236}">
-                <a16:creationId xmlns:a16="http://schemas.microsoft.com/office/drawing/2014/main" id="{56226C64-365C-4FF3-44C1-F1E828C19684}"/>
-              </a:ext>
-            </a:extLst>
-          </p:cNvPr>
-          <p:cNvSpPr>
-            <a:spLocks noGrp="1"/>
-          </p:cNvSpPr>
-          <p:nvPr>
-            <p:ph type="title"/>
-          </p:nvPr>
-        </p:nvSpPr>
-        <p:spPr/>
-        <p:txBody>
-          <a:bodyPr/>
-          <a:lstStyle/>
-          <a:p>
-            <a:r>
-              <a:rPr lang="en-US" dirty="0"/>
-              <a:t>Notes</a:t>
-            </a:r>
-          </a:p>
-        </p:txBody>
-      </p:sp>
-      <p:sp>
-        <p:nvSpPr>
-          <p:cNvPr id="3" name="Content Placeholder 2">
-            <a:extLst>
-              <a:ext uri="{FF2B5EF4-FFF2-40B4-BE49-F238E27FC236}">
-                <a16:creationId xmlns:a16="http://schemas.microsoft.com/office/drawing/2014/main" id="{F4F551EF-C73D-5C85-984A-ACA511573A8C}"/>
-              </a:ext>
-            </a:extLst>
-          </p:cNvPr>
-          <p:cNvSpPr>
-            <a:spLocks noGrp="1"/>
-          </p:cNvSpPr>
-          <p:nvPr>
-            <p:ph idx="1"/>
-          </p:nvPr>
-        </p:nvSpPr>
-        <p:spPr/>
-        <p:txBody>
-          <a:bodyPr/>
-          <a:lstStyle/>
-          <a:p>
-            <a:r>
-              <a:rPr lang="en-US" dirty="0"/>
-              <a:t>Older kids should be able to solve it easily, but younger kids may have trouble with this one.</a:t>
-            </a:r>
-          </a:p>
-        </p:txBody>
-      </p:sp>
-    </p:spTree>
-    <p:extLst>
-      <p:ext uri="{BB962C8B-B14F-4D97-AF65-F5344CB8AC3E}">
-        <p14:creationId xmlns:p14="http://schemas.microsoft.com/office/powerpoint/2010/main" val="4269573930"/>
+        <p14:creationId xmlns:p14="http://schemas.microsoft.com/office/powerpoint/2010/main" val="678203178"/>
       </p:ext>
     </p:extLst>
   </p:cSld>

--- a/2023/2023-03/2023-03-17/problem.pptx
+++ b/2023/2023-03/2023-03-17/problem.pptx
@@ -5923,7 +5923,15 @@
           <a:p>
             <a:r>
               <a:rPr lang="en-US" dirty="0"/>
-              <a:t>Given 4 match sticks can for a square like the image below.  Use 12 match sticks to create 6 squares of the same size as the one shown.</a:t>
+              <a:t>Given 4 match sticks </a:t>
+            </a:r>
+            <a:r>
+              <a:rPr lang="en-US"/>
+              <a:t>can create </a:t>
+            </a:r>
+            <a:r>
+              <a:rPr lang="en-US" dirty="0"/>
+              <a:t>a square like the image below.  Use 12 match sticks to create 6 squares of the same size as the one shown.</a:t>
             </a:r>
           </a:p>
         </p:txBody>
